--- a/Seccion 2 Variable aleatoria multivariante/Diapositivas/2.5 Esperanza condicional y ley de la varianza total - copia.pptx
+++ b/Seccion 2 Variable aleatoria multivariante/Diapositivas/2.5 Esperanza condicional y ley de la varianza total - copia.pptx
@@ -868,7 +868,7 @@
             <a:fld id="{B61BEF0D-F0BB-DE4B-95CE-6DB70DBA9567}" type="datetimeFigureOut">
               <a:rPr lang="en-US" smtClean="0"/>
               <a:pPr/>
-              <a:t>12/13/2019</a:t>
+              <a:t>12/20/2019</a:t>
             </a:fld>
             <a:endParaRPr lang="en-US" dirty="0"/>
           </a:p>
@@ -1121,7 +1121,7 @@
             <a:fld id="{B61BEF0D-F0BB-DE4B-95CE-6DB70DBA9567}" type="datetimeFigureOut">
               <a:rPr lang="en-US" smtClean="0"/>
               <a:pPr/>
-              <a:t>12/13/2019</a:t>
+              <a:t>12/20/2019</a:t>
             </a:fld>
             <a:endParaRPr lang="en-US" dirty="0"/>
           </a:p>
@@ -1437,7 +1437,7 @@
             <a:fld id="{B61BEF0D-F0BB-DE4B-95CE-6DB70DBA9567}" type="datetimeFigureOut">
               <a:rPr lang="en-US" smtClean="0"/>
               <a:pPr/>
-              <a:t>12/13/2019</a:t>
+              <a:t>12/20/2019</a:t>
             </a:fld>
             <a:endParaRPr lang="en-US" dirty="0"/>
           </a:p>
@@ -1772,7 +1772,7 @@
             <a:fld id="{B61BEF0D-F0BB-DE4B-95CE-6DB70DBA9567}" type="datetimeFigureOut">
               <a:rPr lang="en-US" smtClean="0"/>
               <a:pPr/>
-              <a:t>12/13/2019</a:t>
+              <a:t>12/20/2019</a:t>
             </a:fld>
             <a:endParaRPr lang="en-US" dirty="0"/>
           </a:p>
@@ -2088,7 +2088,7 @@
             <a:fld id="{B61BEF0D-F0BB-DE4B-95CE-6DB70DBA9567}" type="datetimeFigureOut">
               <a:rPr lang="en-US" smtClean="0"/>
               <a:pPr/>
-              <a:t>12/13/2019</a:t>
+              <a:t>12/20/2019</a:t>
             </a:fld>
             <a:endParaRPr lang="en-US" dirty="0"/>
           </a:p>
@@ -2483,7 +2483,7 @@
             <a:fld id="{B61BEF0D-F0BB-DE4B-95CE-6DB70DBA9567}" type="datetimeFigureOut">
               <a:rPr lang="en-US" smtClean="0"/>
               <a:pPr/>
-              <a:t>12/13/2019</a:t>
+              <a:t>12/20/2019</a:t>
             </a:fld>
             <a:endParaRPr lang="en-US" dirty="0"/>
           </a:p>
@@ -2654,7 +2654,7 @@
           <a:p>
             <a:fld id="{55C6B4A9-1611-4792-9094-5F34BCA07E0B}" type="datetimeFigureOut">
               <a:rPr lang="en-US" smtClean="0"/>
-              <a:t>12/13/2019</a:t>
+              <a:t>12/20/2019</a:t>
             </a:fld>
             <a:endParaRPr lang="en-US" dirty="0"/>
           </a:p>
@@ -2835,7 +2835,7 @@
             <a:fld id="{B61BEF0D-F0BB-DE4B-95CE-6DB70DBA9567}" type="datetimeFigureOut">
               <a:rPr lang="en-US" smtClean="0"/>
               <a:pPr/>
-              <a:t>12/13/2019</a:t>
+              <a:t>12/20/2019</a:t>
             </a:fld>
             <a:endParaRPr lang="en-US" dirty="0"/>
           </a:p>
@@ -3045,7 +3045,7 @@
             <a:fld id="{B61BEF0D-F0BB-DE4B-95CE-6DB70DBA9567}" type="datetimeFigureOut">
               <a:rPr lang="en-US" smtClean="0"/>
               <a:pPr/>
-              <a:t>12/13/2019</a:t>
+              <a:t>12/20/2019</a:t>
             </a:fld>
             <a:endParaRPr lang="en-US" dirty="0"/>
           </a:p>
@@ -3245,7 +3245,7 @@
             <a:fld id="{B61BEF0D-F0BB-DE4B-95CE-6DB70DBA9567}" type="datetimeFigureOut">
               <a:rPr lang="en-US" smtClean="0"/>
               <a:pPr/>
-              <a:t>12/13/2019</a:t>
+              <a:t>12/20/2019</a:t>
             </a:fld>
             <a:endParaRPr lang="en-US" dirty="0"/>
           </a:p>
@@ -3522,7 +3522,7 @@
             <a:fld id="{B61BEF0D-F0BB-DE4B-95CE-6DB70DBA9567}" type="datetimeFigureOut">
               <a:rPr lang="en-US" smtClean="0"/>
               <a:pPr/>
-              <a:t>12/13/2019</a:t>
+              <a:t>12/20/2019</a:t>
             </a:fld>
             <a:endParaRPr lang="en-US" dirty="0"/>
           </a:p>
@@ -3706,7 +3706,7 @@
             <a:fld id="{B61BEF0D-F0BB-DE4B-95CE-6DB70DBA9567}" type="datetimeFigureOut">
               <a:rPr lang="en-US" smtClean="0"/>
               <a:pPr/>
-              <a:t>12/13/2019</a:t>
+              <a:t>12/20/2019</a:t>
             </a:fld>
             <a:endParaRPr lang="en-US" dirty="0"/>
           </a:p>
@@ -3960,7 +3960,7 @@
           <a:p>
             <a:fld id="{EB712588-04B1-427B-82EE-E8DB90309F08}" type="datetimeFigureOut">
               <a:rPr lang="en-US" smtClean="0"/>
-              <a:t>12/13/2019</a:t>
+              <a:t>12/20/2019</a:t>
             </a:fld>
             <a:endParaRPr lang="en-US" dirty="0"/>
           </a:p>
@@ -4373,7 +4373,7 @@
             <a:fld id="{B61BEF0D-F0BB-DE4B-95CE-6DB70DBA9567}" type="datetimeFigureOut">
               <a:rPr lang="en-US" smtClean="0"/>
               <a:pPr/>
-              <a:t>12/13/2019</a:t>
+              <a:t>12/20/2019</a:t>
             </a:fld>
             <a:endParaRPr lang="en-US" dirty="0"/>
           </a:p>
@@ -4516,7 +4516,7 @@
             <a:fld id="{B61BEF0D-F0BB-DE4B-95CE-6DB70DBA9567}" type="datetimeFigureOut">
               <a:rPr lang="en-US" smtClean="0"/>
               <a:pPr/>
-              <a:t>12/13/2019</a:t>
+              <a:t>12/20/2019</a:t>
             </a:fld>
             <a:endParaRPr lang="en-US" dirty="0"/>
           </a:p>
@@ -4631,7 +4631,7 @@
             <a:fld id="{B61BEF0D-F0BB-DE4B-95CE-6DB70DBA9567}" type="datetimeFigureOut">
               <a:rPr lang="en-US" smtClean="0"/>
               <a:pPr/>
-              <a:t>12/13/2019</a:t>
+              <a:t>12/20/2019</a:t>
             </a:fld>
             <a:endParaRPr lang="en-US" dirty="0"/>
           </a:p>
@@ -4943,7 +4943,7 @@
           <a:p>
             <a:fld id="{42A54C80-263E-416B-A8E0-580EDEADCBDC}" type="datetimeFigureOut">
               <a:rPr lang="en-US" smtClean="0"/>
-              <a:t>12/13/2019</a:t>
+              <a:t>12/20/2019</a:t>
             </a:fld>
             <a:endParaRPr lang="en-US" dirty="0"/>
           </a:p>
@@ -5232,7 +5232,7 @@
             <a:fld id="{B61BEF0D-F0BB-DE4B-95CE-6DB70DBA9567}" type="datetimeFigureOut">
               <a:rPr lang="en-US" smtClean="0"/>
               <a:pPr/>
-              <a:t>12/13/2019</a:t>
+              <a:t>12/20/2019</a:t>
             </a:fld>
             <a:endParaRPr lang="en-US" dirty="0"/>
           </a:p>
@@ -5431,7 +5431,7 @@
           <a:p>
             <a:fld id="{55C6B4A9-1611-4792-9094-5F34BCA07E0B}" type="datetimeFigureOut">
               <a:rPr lang="en-US" smtClean="0"/>
-              <a:t>12/13/2019</a:t>
+              <a:t>12/20/2019</a:t>
             </a:fld>
             <a:endParaRPr lang="en-US" dirty="0"/>
           </a:p>
@@ -5640,7 +5640,7 @@
             <a:fld id="{B61BEF0D-F0BB-DE4B-95CE-6DB70DBA9567}" type="datetimeFigureOut">
               <a:rPr lang="en-US" smtClean="0"/>
               <a:pPr/>
-              <a:t>12/13/2019</a:t>
+              <a:t>12/20/2019</a:t>
             </a:fld>
             <a:endParaRPr lang="en-US" dirty="0"/>
           </a:p>
@@ -5901,7 +5901,7 @@
             <a:fld id="{B61BEF0D-F0BB-DE4B-95CE-6DB70DBA9567}" type="datetimeFigureOut">
               <a:rPr lang="en-US" smtClean="0"/>
               <a:pPr/>
-              <a:t>12/13/2019</a:t>
+              <a:t>12/20/2019</a:t>
             </a:fld>
             <a:endParaRPr lang="en-US" dirty="0"/>
           </a:p>
@@ -6134,7 +6134,7 @@
           <a:p>
             <a:fld id="{EB712588-04B1-427B-82EE-E8DB90309F08}" type="datetimeFigureOut">
               <a:rPr lang="en-US" smtClean="0"/>
-              <a:t>12/13/2019</a:t>
+              <a:t>12/20/2019</a:t>
             </a:fld>
             <a:endParaRPr lang="en-US" dirty="0"/>
           </a:p>
@@ -6509,7 +6509,7 @@
             <a:fld id="{B61BEF0D-F0BB-DE4B-95CE-6DB70DBA9567}" type="datetimeFigureOut">
               <a:rPr lang="en-US" smtClean="0"/>
               <a:pPr/>
-              <a:t>12/13/2019</a:t>
+              <a:t>12/20/2019</a:t>
             </a:fld>
             <a:endParaRPr lang="en-US" dirty="0"/>
           </a:p>
@@ -6634,7 +6634,7 @@
             <a:fld id="{B61BEF0D-F0BB-DE4B-95CE-6DB70DBA9567}" type="datetimeFigureOut">
               <a:rPr lang="en-US" smtClean="0"/>
               <a:pPr/>
-              <a:t>12/13/2019</a:t>
+              <a:t>12/20/2019</a:t>
             </a:fld>
             <a:endParaRPr lang="en-US" dirty="0"/>
           </a:p>
@@ -6731,7 +6731,7 @@
             <a:fld id="{B61BEF0D-F0BB-DE4B-95CE-6DB70DBA9567}" type="datetimeFigureOut">
               <a:rPr lang="en-US" smtClean="0"/>
               <a:pPr/>
-              <a:t>12/13/2019</a:t>
+              <a:t>12/20/2019</a:t>
             </a:fld>
             <a:endParaRPr lang="en-US" dirty="0"/>
           </a:p>
@@ -6987,7 +6987,7 @@
           <a:p>
             <a:fld id="{42A54C80-263E-416B-A8E0-580EDEADCBDC}" type="datetimeFigureOut">
               <a:rPr lang="en-US" smtClean="0"/>
-              <a:t>12/13/2019</a:t>
+              <a:t>12/20/2019</a:t>
             </a:fld>
             <a:endParaRPr lang="en-US" dirty="0"/>
           </a:p>
@@ -7294,7 +7294,7 @@
             <a:fld id="{B61BEF0D-F0BB-DE4B-95CE-6DB70DBA9567}" type="datetimeFigureOut">
               <a:rPr lang="en-US" smtClean="0"/>
               <a:pPr/>
-              <a:t>12/13/2019</a:t>
+              <a:t>12/20/2019</a:t>
             </a:fld>
             <a:endParaRPr lang="en-US" dirty="0"/>
           </a:p>
@@ -8000,7 +8000,7 @@
             <a:fld id="{B61BEF0D-F0BB-DE4B-95CE-6DB70DBA9567}" type="datetimeFigureOut">
               <a:rPr lang="en-US" smtClean="0"/>
               <a:pPr/>
-              <a:t>12/13/2019</a:t>
+              <a:t>12/20/2019</a:t>
             </a:fld>
             <a:endParaRPr lang="en-US" dirty="0"/>
           </a:p>
@@ -8677,7 +8677,7 @@
             <a:fld id="{B61BEF0D-F0BB-DE4B-95CE-6DB70DBA9567}" type="datetimeFigureOut">
               <a:rPr lang="en-US" smtClean="0"/>
               <a:pPr/>
-              <a:t>12/13/2019</a:t>
+              <a:t>12/20/2019</a:t>
             </a:fld>
             <a:endParaRPr lang="en-US" dirty="0"/>
           </a:p>
@@ -9394,8 +9394,8 @@
           </a:p>
         </p:txBody>
       </p:sp>
-      <mc:AlternateContent xmlns:mc="http://schemas.openxmlformats.org/markup-compatibility/2006" xmlns:a14="http://schemas.microsoft.com/office/drawing/2010/main">
-        <mc:Choice Requires="a14">
+      <mc:AlternateContent xmlns:mc="http://schemas.openxmlformats.org/markup-compatibility/2006">
+        <mc:Choice xmlns:a14="http://schemas.microsoft.com/office/drawing/2010/main" Requires="a14">
           <p:sp>
             <p:nvSpPr>
               <p:cNvPr id="5" name="Marcador de contenido 2"/>
@@ -9682,6 +9682,15 @@
                             <a:latin typeface="Cambria Math" panose="02040503050406030204" pitchFamily="18" charset="0"/>
                           </a:rPr>
                           <m:t>𝐱</m:t>
+                        </m:r>
+                        <m:r>
+                          <a:rPr lang="es-ES" b="1" i="0" smtClean="0">
+                            <a:solidFill>
+                              <a:schemeClr val="bg1"/>
+                            </a:solidFill>
+                            <a:latin typeface="Cambria Math" panose="02040503050406030204" pitchFamily="18" charset="0"/>
+                          </a:rPr>
+                          <m:t>,</m:t>
                         </m:r>
                         <m:r>
                           <a:rPr lang="es-ES" b="1" i="0" smtClean="0">
@@ -10905,7 +10914,7 @@
             </p:txBody>
           </p:sp>
         </mc:Choice>
-        <mc:Fallback xmlns="">
+        <mc:Fallback>
           <p:sp>
             <p:nvSpPr>
               <p:cNvPr id="5" name="Marcador de contenido 2"/>
@@ -16396,8 +16405,8 @@
           </a:p>
         </p:txBody>
       </p:sp>
-      <mc:AlternateContent xmlns:mc="http://schemas.openxmlformats.org/markup-compatibility/2006" xmlns:a14="http://schemas.microsoft.com/office/drawing/2010/main">
-        <mc:Choice Requires="a14">
+      <mc:AlternateContent xmlns:mc="http://schemas.openxmlformats.org/markup-compatibility/2006">
+        <mc:Choice xmlns:a14="http://schemas.microsoft.com/office/drawing/2010/main" Requires="a14">
           <p:sp>
             <p:nvSpPr>
               <p:cNvPr id="5" name="Marcador de contenido 2"/>
@@ -16684,6 +16693,15 @@
                             <a:latin typeface="Cambria Math" panose="02040503050406030204" pitchFamily="18" charset="0"/>
                           </a:rPr>
                           <m:t>𝐱</m:t>
+                        </m:r>
+                        <m:r>
+                          <a:rPr lang="es-ES" b="1" i="0" smtClean="0">
+                            <a:solidFill>
+                              <a:schemeClr val="bg1"/>
+                            </a:solidFill>
+                            <a:latin typeface="Cambria Math" panose="02040503050406030204" pitchFamily="18" charset="0"/>
+                          </a:rPr>
+                          <m:t>,</m:t>
                         </m:r>
                         <m:r>
                           <a:rPr lang="es-ES" b="1" i="0" smtClean="0">
@@ -18083,7 +18101,7 @@
             </p:txBody>
           </p:sp>
         </mc:Choice>
-        <mc:Fallback xmlns="">
+        <mc:Fallback>
           <p:sp>
             <p:nvSpPr>
               <p:cNvPr id="5" name="Marcador de contenido 2"/>
@@ -18181,8 +18199,8 @@
           </a:p>
         </p:txBody>
       </p:sp>
-      <mc:AlternateContent xmlns:mc="http://schemas.openxmlformats.org/markup-compatibility/2006" xmlns:a14="http://schemas.microsoft.com/office/drawing/2010/main">
-        <mc:Choice Requires="a14">
+      <mc:AlternateContent xmlns:mc="http://schemas.openxmlformats.org/markup-compatibility/2006">
+        <mc:Choice xmlns:a14="http://schemas.microsoft.com/office/drawing/2010/main" Requires="a14">
           <p:sp>
             <p:nvSpPr>
               <p:cNvPr id="5" name="Marcador de contenido 2"/>
@@ -18469,6 +18487,15 @@
                             <a:latin typeface="Cambria Math" panose="02040503050406030204" pitchFamily="18" charset="0"/>
                           </a:rPr>
                           <m:t>𝐱</m:t>
+                        </m:r>
+                        <m:r>
+                          <a:rPr lang="es-ES" b="1" i="0" smtClean="0">
+                            <a:solidFill>
+                              <a:schemeClr val="bg1"/>
+                            </a:solidFill>
+                            <a:latin typeface="Cambria Math" panose="02040503050406030204" pitchFamily="18" charset="0"/>
+                          </a:rPr>
+                          <m:t>,</m:t>
                         </m:r>
                         <m:r>
                           <a:rPr lang="es-ES" b="1" i="0" smtClean="0">
@@ -19638,7 +19665,7 @@
             </p:txBody>
           </p:sp>
         </mc:Choice>
-        <mc:Fallback xmlns="">
+        <mc:Fallback>
           <p:sp>
             <p:nvSpPr>
               <p:cNvPr id="5" name="Marcador de contenido 2"/>
@@ -19736,8 +19763,8 @@
           </a:p>
         </p:txBody>
       </p:sp>
-      <mc:AlternateContent xmlns:mc="http://schemas.openxmlformats.org/markup-compatibility/2006" xmlns:a14="http://schemas.microsoft.com/office/drawing/2010/main">
-        <mc:Choice Requires="a14">
+      <mc:AlternateContent xmlns:mc="http://schemas.openxmlformats.org/markup-compatibility/2006">
+        <mc:Choice xmlns:a14="http://schemas.microsoft.com/office/drawing/2010/main" Requires="a14">
           <p:sp>
             <p:nvSpPr>
               <p:cNvPr id="5" name="Marcador de contenido 2"/>
@@ -20024,6 +20051,15 @@
                             <a:latin typeface="Cambria Math" panose="02040503050406030204" pitchFamily="18" charset="0"/>
                           </a:rPr>
                           <m:t>𝐱</m:t>
+                        </m:r>
+                        <m:r>
+                          <a:rPr lang="es-ES" b="1" i="0" smtClean="0">
+                            <a:solidFill>
+                              <a:schemeClr val="bg1"/>
+                            </a:solidFill>
+                            <a:latin typeface="Cambria Math" panose="02040503050406030204" pitchFamily="18" charset="0"/>
+                          </a:rPr>
+                          <m:t>,</m:t>
                         </m:r>
                         <m:r>
                           <a:rPr lang="es-ES" b="1" i="0" smtClean="0">
@@ -21245,7 +21281,7 @@
             </p:txBody>
           </p:sp>
         </mc:Choice>
-        <mc:Fallback xmlns="">
+        <mc:Fallback>
           <p:sp>
             <p:nvSpPr>
               <p:cNvPr id="5" name="Marcador de contenido 2"/>
